--- a/Presents/Luongnv.Intro4.0.pptx
+++ b/Presents/Luongnv.Intro4.0.pptx
@@ -307,7 +307,7 @@
           <a:p>
             <a:fld id="{25F1A227-23B6-4C19-942A-F47326EC29E8}" type="datetimeFigureOut">
               <a:rPr lang="en-US" smtClean="0"/>
-              <a:t>3/31/2012</a:t>
+              <a:t>4/3/2012</a:t>
             </a:fld>
             <a:endParaRPr lang="en-US"/>
           </a:p>
@@ -7046,7 +7046,7 @@
           <a:p>
             <a:fld id="{71052FE1-3B5B-4810-A49E-9809327C23B0}" type="datetime1">
               <a:rPr lang="en-US" smtClean="0"/>
-              <a:t>3/31/2012</a:t>
+              <a:t>4/3/2012</a:t>
             </a:fld>
             <a:endParaRPr lang="en-US"/>
           </a:p>
@@ -7220,7 +7220,7 @@
           <a:p>
             <a:fld id="{6508B24B-3736-46F1-A6CF-41C799FC1BF8}" type="datetime1">
               <a:rPr lang="en-US" smtClean="0"/>
-              <a:t>3/31/2012</a:t>
+              <a:t>4/3/2012</a:t>
             </a:fld>
             <a:endParaRPr lang="en-US"/>
           </a:p>
@@ -7404,7 +7404,7 @@
           <a:p>
             <a:fld id="{737D6933-6F8D-476F-B929-CFD95D14D3FE}" type="datetime1">
               <a:rPr lang="en-US" smtClean="0"/>
-              <a:t>3/31/2012</a:t>
+              <a:t>4/3/2012</a:t>
             </a:fld>
             <a:endParaRPr lang="en-US"/>
           </a:p>
@@ -7595,7 +7595,7 @@
           <a:p>
             <a:fld id="{E3E2306C-E34F-4492-8C03-BFD178B0B86F}" type="datetime1">
               <a:rPr lang="en-US" smtClean="0"/>
-              <a:t>3/31/2012</a:t>
+              <a:t>4/3/2012</a:t>
             </a:fld>
             <a:endParaRPr lang="en-US"/>
           </a:p>
@@ -7881,7 +7881,7 @@
           <a:p>
             <a:fld id="{F45CE621-976D-490D-93D6-82BE04FEF33C}" type="datetime1">
               <a:rPr lang="en-US" smtClean="0"/>
-              <a:t>3/31/2012</a:t>
+              <a:t>4/3/2012</a:t>
             </a:fld>
             <a:endParaRPr lang="en-US"/>
           </a:p>
@@ -8173,7 +8173,7 @@
           <a:p>
             <a:fld id="{24C18882-06AD-4971-A70B-932A9A310951}" type="datetime1">
               <a:rPr lang="en-US" smtClean="0"/>
-              <a:t>3/31/2012</a:t>
+              <a:t>4/3/2012</a:t>
             </a:fld>
             <a:endParaRPr lang="en-US"/>
           </a:p>
@@ -8599,7 +8599,7 @@
           <a:p>
             <a:fld id="{40FDA9CF-AA6A-4460-BD3C-E233BABB6924}" type="datetime1">
               <a:rPr lang="en-US" smtClean="0"/>
-              <a:t>3/31/2012</a:t>
+              <a:t>4/3/2012</a:t>
             </a:fld>
             <a:endParaRPr lang="en-US"/>
           </a:p>
@@ -8721,7 +8721,7 @@
           <a:p>
             <a:fld id="{D9D502B8-AD58-4FD1-B793-29B56CAC21BC}" type="datetime1">
               <a:rPr lang="en-US" smtClean="0"/>
-              <a:t>3/31/2012</a:t>
+              <a:t>4/3/2012</a:t>
             </a:fld>
             <a:endParaRPr lang="en-US"/>
           </a:p>
@@ -8820,7 +8820,7 @@
           <a:p>
             <a:fld id="{B92BDB8E-050F-425D-9DE1-477C1D76FE38}" type="datetime1">
               <a:rPr lang="en-US" smtClean="0"/>
-              <a:t>3/31/2012</a:t>
+              <a:t>4/3/2012</a:t>
             </a:fld>
             <a:endParaRPr lang="en-US"/>
           </a:p>
@@ -9101,7 +9101,7 @@
           <a:p>
             <a:fld id="{4DCF948D-9A0F-45A7-AC2A-0F9D66411295}" type="datetime1">
               <a:rPr lang="en-US" smtClean="0"/>
-              <a:t>3/31/2012</a:t>
+              <a:t>4/3/2012</a:t>
             </a:fld>
             <a:endParaRPr lang="en-US"/>
           </a:p>
@@ -9358,7 +9358,7 @@
           <a:p>
             <a:fld id="{4A21D891-95FB-4F5F-ADE7-5BBBBA77FC22}" type="datetime1">
               <a:rPr lang="en-US" smtClean="0"/>
-              <a:t>3/31/2012</a:t>
+              <a:t>4/3/2012</a:t>
             </a:fld>
             <a:endParaRPr lang="en-US"/>
           </a:p>
@@ -9575,7 +9575,7 @@
           <a:p>
             <a:fld id="{52F776B0-53FF-4CEF-B324-E68B4BDDBC71}" type="datetime1">
               <a:rPr lang="en-US" smtClean="0"/>
-              <a:t>3/31/2012</a:t>
+              <a:t>4/3/2012</a:t>
             </a:fld>
             <a:endParaRPr lang="en-US"/>
           </a:p>
@@ -10068,7 +10068,7 @@
           <a:p>
             <a:fld id="{76501CD9-90AD-4FB7-A953-0FB9DCCFDF2E}" type="datetime1">
               <a:rPr lang="en-US" smtClean="0"/>
-              <a:t>3/31/2012</a:t>
+              <a:t>4/3/2012</a:t>
             </a:fld>
             <a:endParaRPr lang="en-US"/>
           </a:p>
@@ -10187,7 +10187,6 @@
               <a:rPr lang="en-US" sz="2400" dirty="0"/>
               <a:t>. PHYSICAL AND LOGICAL TOPOLOGY, LIGHTPATHS</a:t>
             </a:r>
-            <a:endParaRPr lang="en-US" sz="2400" dirty="0"/>
           </a:p>
         </p:txBody>
       </p:sp>
@@ -10208,7 +10207,7 @@
           <a:p>
             <a:fld id="{D9D502B8-AD58-4FD1-B793-29B56CAC21BC}" type="datetime1">
               <a:rPr lang="en-US" smtClean="0"/>
-              <a:t>3/31/2012</a:t>
+              <a:t>4/3/2012</a:t>
             </a:fld>
             <a:endParaRPr lang="en-US"/>
           </a:p>
@@ -12642,7 +12641,6 @@
               <a:rPr lang="en-US" sz="2400" dirty="0"/>
               <a:t>3. PHYSICAL AND LOGICAL TOPOLOGY, LIGHTPATHS</a:t>
             </a:r>
-            <a:endParaRPr lang="en-US" sz="2400" dirty="0"/>
           </a:p>
         </p:txBody>
       </p:sp>
@@ -12663,7 +12661,7 @@
           <a:p>
             <a:fld id="{D9D502B8-AD58-4FD1-B793-29B56CAC21BC}" type="datetime1">
               <a:rPr lang="en-US" smtClean="0"/>
-              <a:t>3/31/2012</a:t>
+              <a:t>4/3/2012</a:t>
             </a:fld>
             <a:endParaRPr lang="en-US"/>
           </a:p>
@@ -12837,7 +12835,6 @@
               <a:rPr lang="en-US" sz="2400" dirty="0"/>
               <a:t>3. PHYSICAL AND LOGICAL TOPOLOGY, LIGHTPATHS</a:t>
             </a:r>
-            <a:endParaRPr lang="en-US" sz="2400" dirty="0"/>
           </a:p>
         </p:txBody>
       </p:sp>
@@ -13053,7 +13050,7 @@
           <a:p>
             <a:fld id="{D9D502B8-AD58-4FD1-B793-29B56CAC21BC}" type="datetime1">
               <a:rPr lang="en-US" smtClean="0"/>
-              <a:t>3/31/2012</a:t>
+              <a:t>4/3/2012</a:t>
             </a:fld>
             <a:endParaRPr lang="en-US"/>
           </a:p>
@@ -13477,7 +13474,7 @@
           <a:p>
             <a:fld id="{D9D502B8-AD58-4FD1-B793-29B56CAC21BC}" type="datetime1">
               <a:rPr lang="en-US" smtClean="0"/>
-              <a:t>3/31/2012</a:t>
+              <a:t>4/3/2012</a:t>
             </a:fld>
             <a:endParaRPr lang="en-US"/>
           </a:p>
@@ -13587,7 +13584,6 @@
               <a:rPr lang="en-US" sz="2800" dirty="0"/>
               <a:t>4. SURVIVABLE NETWORK</a:t>
             </a:r>
-            <a:endParaRPr lang="en-US" sz="2800" dirty="0"/>
           </a:p>
         </p:txBody>
       </p:sp>
@@ -13916,7 +13912,7 @@
           <a:p>
             <a:fld id="{D9D502B8-AD58-4FD1-B793-29B56CAC21BC}" type="datetime1">
               <a:rPr lang="en-US" smtClean="0"/>
-              <a:t>3/31/2012</a:t>
+              <a:t>4/3/2012</a:t>
             </a:fld>
             <a:endParaRPr lang="en-US"/>
           </a:p>
@@ -14026,7 +14022,6 @@
               <a:rPr lang="en-US" sz="2800" dirty="0"/>
               <a:t>4. SURVIVABLE NETWORK</a:t>
             </a:r>
-            <a:endParaRPr lang="en-US" sz="2800" dirty="0"/>
           </a:p>
         </p:txBody>
       </p:sp>
@@ -14247,7 +14242,7 @@
           <a:p>
             <a:fld id="{D9D502B8-AD58-4FD1-B793-29B56CAC21BC}" type="datetime1">
               <a:rPr lang="en-US" smtClean="0"/>
-              <a:t>3/31/2012</a:t>
+              <a:t>4/3/2012</a:t>
             </a:fld>
             <a:endParaRPr lang="en-US"/>
           </a:p>
@@ -14357,7 +14352,6 @@
               <a:rPr lang="en-US" sz="2800" dirty="0"/>
               <a:t>4. SURVIVABLE NETWORK</a:t>
             </a:r>
-            <a:endParaRPr lang="en-US" sz="2800" dirty="0"/>
           </a:p>
         </p:txBody>
       </p:sp>
@@ -14914,7 +14908,7 @@
           <a:p>
             <a:fld id="{D9D502B8-AD58-4FD1-B793-29B56CAC21BC}" type="datetime1">
               <a:rPr lang="en-US" smtClean="0"/>
-              <a:t>3/31/2012</a:t>
+              <a:t>4/3/2012</a:t>
             </a:fld>
             <a:endParaRPr lang="en-US"/>
           </a:p>
@@ -15024,7 +15018,6 @@
               <a:rPr lang="en-US" sz="2800" dirty="0"/>
               <a:t>4. SURVIVABLE NETWORK</a:t>
             </a:r>
-            <a:endParaRPr lang="en-US" sz="2800" dirty="0"/>
           </a:p>
         </p:txBody>
       </p:sp>
@@ -15045,7 +15038,7 @@
           <a:p>
             <a:fld id="{D9D502B8-AD58-4FD1-B793-29B56CAC21BC}" type="datetime1">
               <a:rPr lang="en-US" smtClean="0"/>
-              <a:t>3/31/2012</a:t>
+              <a:t>4/3/2012</a:t>
             </a:fld>
             <a:endParaRPr lang="en-US"/>
           </a:p>
@@ -15293,18 +15286,14 @@
           <a:p>
             <a:r>
               <a:rPr lang="en-US" sz="2800" dirty="0" smtClean="0"/>
-              <a:t>B. PHÁT </a:t>
-            </a:r>
-            <a:r>
-              <a:rPr lang="en-US" sz="2800" dirty="0" smtClean="0"/>
-              <a:t>BIỂU BÀI TOÁN	</a:t>
+              <a:t>B. PHÁT BIỂU BÀI TOÁN	</a:t>
             </a:r>
             <a:endParaRPr lang="en-US" sz="2800" dirty="0"/>
           </a:p>
         </p:txBody>
       </p:sp>
-      <mc:AlternateContent xmlns:mc="http://schemas.openxmlformats.org/markup-compatibility/2006">
-        <mc:Choice xmlns:a14="http://schemas.microsoft.com/office/drawing/2010/main" Requires="a14">
+      <mc:AlternateContent xmlns:mc="http://schemas.openxmlformats.org/markup-compatibility/2006" xmlns:a14="http://schemas.microsoft.com/office/drawing/2010/main">
+        <mc:Choice Requires="a14">
           <p:sp>
             <p:nvSpPr>
               <p:cNvPr id="7" name="Content Placeholder 6"/>
@@ -15739,7 +15728,6 @@
                   <a:rPr lang="en-US" dirty="0" smtClean="0"/>
                   <a:t>)</a:t>
                 </a:r>
-                <a:endParaRPr lang="en-US" dirty="0" smtClean="0"/>
               </a:p>
               <a:p>
                 <a:pPr lvl="2"/>
@@ -15760,24 +15748,32 @@
                     <m:sSubSup>
                       <m:sSubSupPr>
                         <m:ctrlPr>
-                          <a:rPr lang="en-US" i="1"/>
+                          <a:rPr lang="en-US" i="1">
+                            <a:latin typeface="Cambria Math"/>
+                          </a:rPr>
                         </m:ctrlPr>
                       </m:sSubSupPr>
                       <m:e>
                         <m:r>
-                          <a:rPr lang="en-US" i="1"/>
+                          <a:rPr lang="en-US" i="1">
+                            <a:latin typeface="Cambria Math"/>
+                          </a:rPr>
                           <m:t>𝐿</m:t>
                         </m:r>
                       </m:e>
                       <m:sub>
                         <m:r>
-                          <a:rPr lang="en-US" i="1"/>
+                          <a:rPr lang="en-US" i="1">
+                            <a:latin typeface="Cambria Math"/>
+                          </a:rPr>
                           <m:t>𝑖</m:t>
                         </m:r>
                       </m:sub>
                       <m:sup>
                         <m:r>
-                          <a:rPr lang="en-US" i="1"/>
+                          <a:rPr lang="en-US" i="1">
+                            <a:latin typeface="Cambria Math"/>
+                          </a:rPr>
                           <m:t>1</m:t>
                         </m:r>
                       </m:sup>
@@ -15801,18 +15797,24 @@
                     <m:sSubSup>
                       <m:sSubSupPr>
                         <m:ctrlPr>
-                          <a:rPr lang="en-US" i="1"/>
+                          <a:rPr lang="en-US" i="1">
+                            <a:latin typeface="Cambria Math"/>
+                          </a:rPr>
                         </m:ctrlPr>
                       </m:sSubSupPr>
                       <m:e>
                         <m:r>
-                          <a:rPr lang="en-US" i="1"/>
+                          <a:rPr lang="en-US" i="1">
+                            <a:latin typeface="Cambria Math"/>
+                          </a:rPr>
                           <m:t>𝐿</m:t>
                         </m:r>
                       </m:e>
                       <m:sub>
                         <m:r>
-                          <a:rPr lang="en-US" i="1"/>
+                          <a:rPr lang="en-US" i="1">
+                            <a:latin typeface="Cambria Math"/>
+                          </a:rPr>
                           <m:t>𝑖</m:t>
                         </m:r>
                       </m:sub>
@@ -15897,7 +15899,6 @@
                   <a:rPr lang="en-US" b="1" dirty="0" smtClean="0"/>
                   <a:t>Output: </a:t>
                 </a:r>
-                <a:endParaRPr lang="en-US" b="1" dirty="0" smtClean="0"/>
               </a:p>
               <a:p>
                 <a:pPr lvl="1"/>
@@ -16066,24 +16067,32 @@
                     <m:sSubSup>
                       <m:sSubSupPr>
                         <m:ctrlPr>
-                          <a:rPr lang="en-US" i="1"/>
+                          <a:rPr lang="en-US" i="1">
+                            <a:latin typeface="Cambria Math"/>
+                          </a:rPr>
                         </m:ctrlPr>
                       </m:sSubSupPr>
                       <m:e>
                         <m:r>
-                          <a:rPr lang="en-US" i="1"/>
+                          <a:rPr lang="en-US" i="1">
+                            <a:latin typeface="Cambria Math"/>
+                          </a:rPr>
                           <m:t>𝐿</m:t>
                         </m:r>
                       </m:e>
                       <m:sub>
                         <m:r>
-                          <a:rPr lang="en-US" i="1"/>
+                          <a:rPr lang="en-US" i="1">
+                            <a:latin typeface="Cambria Math"/>
+                          </a:rPr>
                           <m:t>𝑖</m:t>
                         </m:r>
                       </m:sub>
                       <m:sup>
                         <m:r>
-                          <a:rPr lang="en-US" i="1"/>
+                          <a:rPr lang="en-US" i="1">
+                            <a:latin typeface="Cambria Math"/>
+                          </a:rPr>
                           <m:t>1</m:t>
                         </m:r>
                       </m:sup>
@@ -16107,18 +16116,24 @@
                     <m:sSubSup>
                       <m:sSubSupPr>
                         <m:ctrlPr>
-                          <a:rPr lang="en-US" i="1"/>
+                          <a:rPr lang="en-US" i="1">
+                            <a:latin typeface="Cambria Math"/>
+                          </a:rPr>
                         </m:ctrlPr>
                       </m:sSubSupPr>
                       <m:e>
                         <m:r>
-                          <a:rPr lang="en-US" i="1"/>
+                          <a:rPr lang="en-US" i="1">
+                            <a:latin typeface="Cambria Math"/>
+                          </a:rPr>
                           <m:t>𝐿</m:t>
                         </m:r>
                       </m:e>
                       <m:sub>
                         <m:r>
-                          <a:rPr lang="en-US" i="1"/>
+                          <a:rPr lang="en-US" i="1">
+                            <a:latin typeface="Cambria Math"/>
+                          </a:rPr>
                           <m:t>𝑖</m:t>
                         </m:r>
                       </m:sub>
@@ -16210,7 +16225,7 @@
             </p:txBody>
           </p:sp>
         </mc:Choice>
-        <mc:Fallback>
+        <mc:Fallback xmlns="">
           <p:sp>
             <p:nvSpPr>
               <p:cNvPr id="7" name="Content Placeholder 6"/>
@@ -16265,7 +16280,7 @@
           <a:p>
             <a:fld id="{D9D502B8-AD58-4FD1-B793-29B56CAC21BC}" type="datetime1">
               <a:rPr lang="en-US" smtClean="0"/>
-              <a:t>3/31/2012</a:t>
+              <a:t>4/3/2012</a:t>
             </a:fld>
             <a:endParaRPr lang="en-US"/>
           </a:p>
@@ -16378,11 +16393,7 @@
           <a:p>
             <a:r>
               <a:rPr lang="en-US" sz="2800" dirty="0" smtClean="0"/>
-              <a:t>B. PHÁT </a:t>
-            </a:r>
-            <a:r>
-              <a:rPr lang="en-US" sz="2800" dirty="0" smtClean="0"/>
-              <a:t>BIỂU BÀI TOÁN	</a:t>
+              <a:t>B. PHÁT BIỂU BÀI TOÁN	</a:t>
             </a:r>
             <a:endParaRPr lang="en-US" sz="2800" dirty="0"/>
           </a:p>
@@ -16447,7 +16458,7 @@
           <a:p>
             <a:fld id="{D9D502B8-AD58-4FD1-B793-29B56CAC21BC}" type="datetime1">
               <a:rPr lang="en-US" smtClean="0"/>
-              <a:t>3/31/2012</a:t>
+              <a:t>4/3/2012</a:t>
             </a:fld>
             <a:endParaRPr lang="en-US"/>
           </a:p>
@@ -16847,7 +16858,7 @@
           <a:p>
             <a:fld id="{D9D502B8-AD58-4FD1-B793-29B56CAC21BC}" type="datetime1">
               <a:rPr lang="en-US" smtClean="0"/>
-              <a:t>3/31/2012</a:t>
+              <a:t>4/3/2012</a:t>
             </a:fld>
             <a:endParaRPr lang="en-US"/>
           </a:p>
@@ -16960,11 +16971,7 @@
           <a:p>
             <a:r>
               <a:rPr lang="en-US" sz="2800" dirty="0" smtClean="0"/>
-              <a:t>B. PHÁT </a:t>
-            </a:r>
-            <a:r>
-              <a:rPr lang="en-US" sz="2800" dirty="0" smtClean="0"/>
-              <a:t>BIỂU BÀI TOÁN	</a:t>
+              <a:t>B. PHÁT BIỂU BÀI TOÁN	</a:t>
             </a:r>
             <a:endParaRPr lang="en-US" sz="2800" dirty="0"/>
           </a:p>
@@ -17029,7 +17036,7 @@
           <a:p>
             <a:fld id="{D9D502B8-AD58-4FD1-B793-29B56CAC21BC}" type="datetime1">
               <a:rPr lang="en-US" smtClean="0"/>
-              <a:t>3/31/2012</a:t>
+              <a:t>4/3/2012</a:t>
             </a:fld>
             <a:endParaRPr lang="en-US"/>
           </a:p>
@@ -17206,11 +17213,7 @@
           <a:p>
             <a:r>
               <a:rPr lang="en-US" sz="2800" dirty="0" smtClean="0"/>
-              <a:t>B. PHÁT </a:t>
-            </a:r>
-            <a:r>
-              <a:rPr lang="en-US" sz="2800" dirty="0" smtClean="0"/>
-              <a:t>BIỂU BÀI TOÁN	</a:t>
+              <a:t>B. PHÁT BIỂU BÀI TOÁN	</a:t>
             </a:r>
             <a:endParaRPr lang="en-US" sz="2800" dirty="0"/>
           </a:p>
@@ -17649,7 +17652,6 @@
               <a:rPr lang="en-US" dirty="0" smtClean="0"/>
               <a:t>.</a:t>
             </a:r>
-            <a:endParaRPr lang="en-US" dirty="0" smtClean="0"/>
           </a:p>
         </p:txBody>
       </p:sp>
@@ -17670,7 +17672,7 @@
           <a:p>
             <a:fld id="{D9D502B8-AD58-4FD1-B793-29B56CAC21BC}" type="datetime1">
               <a:rPr lang="en-US" smtClean="0"/>
-              <a:t>3/31/2012</a:t>
+              <a:t>4/3/2012</a:t>
             </a:fld>
             <a:endParaRPr lang="en-US"/>
           </a:p>
@@ -17777,11 +17779,7 @@
             <a:pPr algn="l"/>
             <a:r>
               <a:rPr lang="en-US" dirty="0" smtClean="0"/>
-              <a:t>C. CÁC </a:t>
-            </a:r>
-            <a:r>
-              <a:rPr lang="en-US" dirty="0" smtClean="0"/>
-              <a:t>NGHIÊN CỨU LIÊN QUAN</a:t>
+              <a:t>C. CÁC NGHIÊN CỨU LIÊN QUAN</a:t>
             </a:r>
             <a:endParaRPr lang="en-US" b="1" dirty="0"/>
           </a:p>
@@ -17938,7 +17936,7 @@
           <a:p>
             <a:fld id="{D9D502B8-AD58-4FD1-B793-29B56CAC21BC}" type="datetime1">
               <a:rPr lang="en-US" smtClean="0"/>
-              <a:t>3/31/2012</a:t>
+              <a:t>4/3/2012</a:t>
             </a:fld>
             <a:endParaRPr lang="en-US"/>
           </a:p>
@@ -18073,7 +18071,7 @@
           <a:p>
             <a:fld id="{D9D502B8-AD58-4FD1-B793-29B56CAC21BC}" type="datetime1">
               <a:rPr lang="en-US" smtClean="0"/>
-              <a:t>3/31/2012</a:t>
+              <a:t>4/3/2012</a:t>
             </a:fld>
             <a:endParaRPr lang="en-US"/>
           </a:p>
@@ -20606,7 +20604,7 @@
           <a:p>
             <a:fld id="{E3E2306C-E34F-4492-8C03-BFD178B0B86F}" type="datetime1">
               <a:rPr lang="en-US" smtClean="0"/>
-              <a:t>3/31/2012</a:t>
+              <a:t>4/3/2012</a:t>
             </a:fld>
             <a:endParaRPr lang="en-US"/>
           </a:p>
@@ -23319,7 +23317,7 @@
           <a:p>
             <a:fld id="{E3E2306C-E34F-4492-8C03-BFD178B0B86F}" type="datetime1">
               <a:rPr lang="en-US" smtClean="0"/>
-              <a:t>3/31/2012</a:t>
+              <a:t>4/3/2012</a:t>
             </a:fld>
             <a:endParaRPr lang="en-US"/>
           </a:p>
@@ -23487,7 +23485,7 @@
         <p:spPr>
           <a:xfrm>
             <a:off x="2895600" y="4150027"/>
-            <a:ext cx="5830442" cy="861774"/>
+            <a:ext cx="5634876" cy="1354217"/>
           </a:xfrm>
           <a:prstGeom prst="rect">
             <a:avLst/>
@@ -23606,6 +23604,155 @@
               <a:rPr lang="en-US" sz="1600" dirty="0" smtClean="0"/>
               <a:t>)</a:t>
             </a:r>
+          </a:p>
+          <a:p>
+            <a:r>
+              <a:rPr lang="en-US" sz="1600" i="1" dirty="0" smtClean="0"/>
+              <a:t>(</a:t>
+            </a:r>
+            <a:r>
+              <a:rPr lang="en-US" sz="1600" i="1" dirty="0" err="1" smtClean="0"/>
+              <a:t>Khi</a:t>
+            </a:r>
+            <a:r>
+              <a:rPr lang="en-US" sz="1600" i="1" dirty="0" smtClean="0"/>
+              <a:t> </a:t>
+            </a:r>
+            <a:r>
+              <a:rPr lang="en-US" sz="1600" i="1" dirty="0" err="1" smtClean="0"/>
+              <a:t>có</a:t>
+            </a:r>
+            <a:r>
+              <a:rPr lang="en-US" sz="1600" i="1" dirty="0" smtClean="0"/>
+              <a:t> </a:t>
+            </a:r>
+            <a:r>
+              <a:rPr lang="en-US" sz="1600" i="1" dirty="0" err="1" smtClean="0"/>
+              <a:t>từ</a:t>
+            </a:r>
+            <a:r>
+              <a:rPr lang="en-US" sz="1600" i="1" dirty="0" smtClean="0"/>
+              <a:t> 2 request </a:t>
+            </a:r>
+            <a:r>
+              <a:rPr lang="en-US" sz="1600" i="1" dirty="0" err="1" smtClean="0"/>
+              <a:t>trở</a:t>
+            </a:r>
+            <a:r>
+              <a:rPr lang="en-US" sz="1600" i="1" dirty="0" smtClean="0"/>
+              <a:t> </a:t>
+            </a:r>
+            <a:r>
+              <a:rPr lang="en-US" sz="1600" i="1" dirty="0" err="1" smtClean="0"/>
+              <a:t>lên</a:t>
+            </a:r>
+            <a:r>
+              <a:rPr lang="en-US" sz="1600" i="1" dirty="0" smtClean="0"/>
+              <a:t> </a:t>
+            </a:r>
+            <a:r>
+              <a:rPr lang="en-US" sz="1600" i="1" dirty="0" err="1" smtClean="0"/>
+              <a:t>cùng</a:t>
+            </a:r>
+            <a:r>
+              <a:rPr lang="en-US" sz="1600" i="1" dirty="0" smtClean="0"/>
+              <a:t> </a:t>
+            </a:r>
+            <a:r>
+              <a:rPr lang="en-US" sz="1600" i="1" dirty="0" err="1" smtClean="0"/>
+              <a:t>sử</a:t>
+            </a:r>
+            <a:r>
+              <a:rPr lang="en-US" sz="1600" i="1" dirty="0" smtClean="0"/>
+              <a:t> </a:t>
+            </a:r>
+            <a:r>
+              <a:rPr lang="en-US" sz="1600" i="1" dirty="0" err="1" smtClean="0"/>
+              <a:t>dụng</a:t>
+            </a:r>
+            <a:r>
+              <a:rPr lang="en-US" sz="1600" i="1" dirty="0" smtClean="0"/>
+              <a:t> 1 link </a:t>
+            </a:r>
+            <a:r>
+              <a:rPr lang="en-US" sz="1600" i="1" dirty="0" err="1" smtClean="0"/>
+              <a:t>vật</a:t>
+            </a:r>
+            <a:r>
+              <a:rPr lang="en-US" sz="1600" i="1" dirty="0" smtClean="0"/>
+              <a:t> </a:t>
+            </a:r>
+            <a:r>
+              <a:rPr lang="en-US" sz="1600" i="1" dirty="0" err="1" smtClean="0"/>
+              <a:t>lý</a:t>
+            </a:r>
+            <a:r>
+              <a:rPr lang="en-US" sz="1600" i="1" dirty="0" smtClean="0"/>
+              <a:t> </a:t>
+            </a:r>
+            <a:r>
+              <a:rPr lang="en-US" sz="1600" i="1" dirty="0" err="1" smtClean="0"/>
+              <a:t>thì</a:t>
+            </a:r>
+            <a:r>
+              <a:rPr lang="en-US" sz="1600" i="1" dirty="0" smtClean="0"/>
+              <a:t> </a:t>
+            </a:r>
+            <a:r>
+              <a:rPr lang="en-US" sz="1600" i="1" dirty="0" err="1" smtClean="0"/>
+              <a:t>chỉ</a:t>
+            </a:r>
+            <a:r>
+              <a:rPr lang="en-US" sz="1600" i="1" dirty="0" smtClean="0"/>
+              <a:t> </a:t>
+            </a:r>
+            <a:r>
+              <a:rPr lang="en-US" sz="1600" i="1" dirty="0" err="1" smtClean="0"/>
+              <a:t>tính</a:t>
+            </a:r>
+            <a:r>
+              <a:rPr lang="en-US" sz="1600" i="1" dirty="0" smtClean="0"/>
+              <a:t> </a:t>
+            </a:r>
+          </a:p>
+          <a:p>
+            <a:r>
+              <a:rPr lang="en-US" sz="1600" i="1" dirty="0" smtClean="0"/>
+              <a:t>chi </a:t>
+            </a:r>
+            <a:r>
+              <a:rPr lang="en-US" sz="1600" i="1" dirty="0" err="1" smtClean="0"/>
+              <a:t>phí</a:t>
+            </a:r>
+            <a:r>
+              <a:rPr lang="en-US" sz="1600" i="1" dirty="0" smtClean="0"/>
+              <a:t> 1 </a:t>
+            </a:r>
+            <a:r>
+              <a:rPr lang="en-US" sz="1600" i="1" dirty="0" err="1" smtClean="0"/>
+              <a:t>lần</a:t>
+            </a:r>
+            <a:r>
+              <a:rPr lang="en-US" sz="1600" i="1" dirty="0" smtClean="0"/>
+              <a:t> </a:t>
+            </a:r>
+            <a:r>
+              <a:rPr lang="en-US" sz="1600" i="1" dirty="0" err="1" smtClean="0"/>
+              <a:t>trên</a:t>
+            </a:r>
+            <a:r>
+              <a:rPr lang="en-US" sz="1600" i="1" dirty="0" smtClean="0"/>
+              <a:t> link </a:t>
+            </a:r>
+            <a:r>
+              <a:rPr lang="en-US" sz="1600" i="1" dirty="0" err="1" smtClean="0"/>
+              <a:t>đó</a:t>
+            </a:r>
+            <a:r>
+              <a:rPr lang="en-US" sz="1600" i="1" dirty="0" smtClean="0"/>
+              <a:t>)</a:t>
+            </a:r>
+            <a:endParaRPr lang="en-US" sz="1600" i="1" dirty="0" smtClean="0"/>
           </a:p>
           <a:p>
             <a:pPr marL="285750" indent="-285750">
@@ -24374,7 +24521,7 @@
           <a:p>
             <a:fld id="{E3E2306C-E34F-4492-8C03-BFD178B0B86F}" type="datetime1">
               <a:rPr lang="en-US" smtClean="0"/>
-              <a:t>3/31/2012</a:t>
+              <a:t>4/3/2012</a:t>
             </a:fld>
             <a:endParaRPr lang="en-US"/>
           </a:p>
@@ -24685,7 +24832,7 @@
           <a:p>
             <a:fld id="{E3E2306C-E34F-4492-8C03-BFD178B0B86F}" type="datetime1">
               <a:rPr lang="en-US" smtClean="0"/>
-              <a:t>3/31/2012</a:t>
+              <a:t>4/3/2012</a:t>
             </a:fld>
             <a:endParaRPr lang="en-US"/>
           </a:p>
@@ -24948,15 +25095,7 @@
                   <a:srgbClr val="FF0000"/>
                 </a:solidFill>
               </a:rPr>
-              <a:t>(L1) </a:t>
-            </a:r>
-            <a:r>
-              <a:rPr lang="en-US" b="1" dirty="0">
-                <a:solidFill>
-                  <a:srgbClr val="FF0000"/>
-                </a:solidFill>
-              </a:rPr>
-              <a:t> </a:t>
+              <a:t>(L1)  </a:t>
             </a:r>
             <a:r>
               <a:rPr lang="en-US" dirty="0" smtClean="0"/>
@@ -25134,15 +25273,7 @@
                   <a:srgbClr val="FF0000"/>
                 </a:solidFill>
               </a:rPr>
-              <a:t>(</a:t>
-            </a:r>
-            <a:r>
-              <a:rPr lang="en-US" b="1" dirty="0">
-                <a:solidFill>
-                  <a:srgbClr val="FF0000"/>
-                </a:solidFill>
-              </a:rPr>
-              <a:t>L2)  </a:t>
+              <a:t>(L2)  </a:t>
             </a:r>
             <a:r>
               <a:rPr lang="en-US" dirty="0" smtClean="0"/>
@@ -26842,7 +26973,7 @@
           <a:p>
             <a:fld id="{E3E2306C-E34F-4492-8C03-BFD178B0B86F}" type="datetime1">
               <a:rPr lang="en-US" smtClean="0"/>
-              <a:t>3/31/2012</a:t>
+              <a:t>4/3/2012</a:t>
             </a:fld>
             <a:endParaRPr lang="en-US"/>
           </a:p>
@@ -26894,8 +27025,8 @@
           </a:p>
         </p:txBody>
       </p:sp>
-      <mc:AlternateContent xmlns:mc="http://schemas.openxmlformats.org/markup-compatibility/2006">
-        <mc:Choice xmlns:a14="http://schemas.microsoft.com/office/drawing/2010/main" Requires="a14">
+      <mc:AlternateContent xmlns:mc="http://schemas.openxmlformats.org/markup-compatibility/2006" xmlns:a14="http://schemas.microsoft.com/office/drawing/2010/main">
+        <mc:Choice Requires="a14">
           <p:sp>
             <p:nvSpPr>
               <p:cNvPr id="2" name="TextBox 1"/>
@@ -26974,7 +27105,7 @@
             </p:txBody>
           </p:sp>
         </mc:Choice>
-        <mc:Fallback>
+        <mc:Fallback xmlns="">
           <p:sp>
             <p:nvSpPr>
               <p:cNvPr id="2" name="TextBox 1"/>
@@ -27512,12 +27643,16 @@
               <a:t>đi</a:t>
             </a:r>
             <a:r>
-              <a:rPr lang="en-US" sz="2400" dirty="0">
+              <a:rPr lang="en-US" sz="2400" smtClean="0">
                 <a:latin typeface="Times New Roman" pitchFamily="18" charset="0"/>
                 <a:cs typeface="Times New Roman" pitchFamily="18" charset="0"/>
               </a:rPr>
               <a:t>)</a:t>
             </a:r>
+            <a:endParaRPr lang="en-US" sz="2400" dirty="0" smtClean="0">
+              <a:latin typeface="Times New Roman" pitchFamily="18" charset="0"/>
+              <a:cs typeface="Times New Roman" pitchFamily="18" charset="0"/>
+            </a:endParaRPr>
           </a:p>
         </p:txBody>
       </p:sp>
@@ -27708,7 +27843,7 @@
           <a:p>
             <a:fld id="{E3E2306C-E34F-4492-8C03-BFD178B0B86F}" type="datetime1">
               <a:rPr lang="en-US" smtClean="0"/>
-              <a:t>3/31/2012</a:t>
+              <a:t>4/3/2012</a:t>
             </a:fld>
             <a:endParaRPr lang="en-US"/>
           </a:p>
@@ -27848,7 +27983,6 @@
               <a:rPr lang="en-US" dirty="0" smtClean="0"/>
               <a:t>Multilayer network</a:t>
             </a:r>
-            <a:endParaRPr lang="en-US" dirty="0" smtClean="0"/>
           </a:p>
           <a:p>
             <a:pPr marL="514350" indent="-514350">
@@ -27874,7 +28008,6 @@
               <a:rPr lang="en-US" dirty="0" smtClean="0"/>
               <a:t>Survivable network</a:t>
             </a:r>
-            <a:endParaRPr lang="en-US" dirty="0" smtClean="0"/>
           </a:p>
         </p:txBody>
       </p:sp>
@@ -27895,7 +28028,7 @@
           <a:p>
             <a:fld id="{E3E2306C-E34F-4492-8C03-BFD178B0B86F}" type="datetime1">
               <a:rPr lang="en-US" smtClean="0"/>
-              <a:t>3/31/2012</a:t>
+              <a:t>4/3/2012</a:t>
             </a:fld>
             <a:endParaRPr lang="en-US"/>
           </a:p>
@@ -28100,7 +28233,7 @@
           <a:p>
             <a:fld id="{E3E2306C-E34F-4492-8C03-BFD178B0B86F}" type="datetime1">
               <a:rPr lang="en-US" smtClean="0"/>
-              <a:t>3/31/2012</a:t>
+              <a:t>4/3/2012</a:t>
             </a:fld>
             <a:endParaRPr lang="en-US"/>
           </a:p>
@@ -29324,7 +29457,7 @@
           <a:p>
             <a:fld id="{E3E2306C-E34F-4492-8C03-BFD178B0B86F}" type="datetime1">
               <a:rPr lang="en-US" smtClean="0"/>
-              <a:t>3/31/2012</a:t>
+              <a:t>4/3/2012</a:t>
             </a:fld>
             <a:endParaRPr lang="en-US"/>
           </a:p>
@@ -30579,7 +30712,7 @@
           <a:p>
             <a:fld id="{E3E2306C-E34F-4492-8C03-BFD178B0B86F}" type="datetime1">
               <a:rPr lang="en-US" smtClean="0"/>
-              <a:t>3/31/2012</a:t>
+              <a:t>4/3/2012</a:t>
             </a:fld>
             <a:endParaRPr lang="en-US"/>
           </a:p>
@@ -31876,7 +32009,7 @@
           <a:p>
             <a:fld id="{E3E2306C-E34F-4492-8C03-BFD178B0B86F}" type="datetime1">
               <a:rPr lang="en-US" smtClean="0"/>
-              <a:t>3/31/2012</a:t>
+              <a:t>4/3/2012</a:t>
             </a:fld>
             <a:endParaRPr lang="en-US"/>
           </a:p>
@@ -33203,7 +33336,7 @@
           <a:p>
             <a:fld id="{E3E2306C-E34F-4492-8C03-BFD178B0B86F}" type="datetime1">
               <a:rPr lang="en-US" smtClean="0"/>
-              <a:t>3/31/2012</a:t>
+              <a:t>4/3/2012</a:t>
             </a:fld>
             <a:endParaRPr lang="en-US"/>
           </a:p>
@@ -36570,7 +36703,7 @@
           <a:p>
             <a:fld id="{E3E2306C-E34F-4492-8C03-BFD178B0B86F}" type="datetime1">
               <a:rPr lang="en-US" smtClean="0"/>
-              <a:t>3/31/2012</a:t>
+              <a:t>4/3/2012</a:t>
             </a:fld>
             <a:endParaRPr lang="en-US"/>
           </a:p>
@@ -36767,7 +36900,7 @@
           <a:p>
             <a:fld id="{E3E2306C-E34F-4492-8C03-BFD178B0B86F}" type="datetime1">
               <a:rPr lang="en-US" smtClean="0"/>
-              <a:t>3/31/2012</a:t>
+              <a:t>4/3/2012</a:t>
             </a:fld>
             <a:endParaRPr lang="en-US"/>
           </a:p>
@@ -37061,7 +37194,7 @@
           <a:p>
             <a:fld id="{E3E2306C-E34F-4492-8C03-BFD178B0B86F}" type="datetime1">
               <a:rPr lang="en-US" smtClean="0"/>
-              <a:t>3/31/2012</a:t>
+              <a:t>4/3/2012</a:t>
             </a:fld>
             <a:endParaRPr lang="en-US"/>
           </a:p>
@@ -37450,7 +37583,7 @@
           <a:p>
             <a:fld id="{E3E2306C-E34F-4492-8C03-BFD178B0B86F}" type="datetime1">
               <a:rPr lang="en-US" smtClean="0"/>
-              <a:t>3/31/2012</a:t>
+              <a:t>4/3/2012</a:t>
             </a:fld>
             <a:endParaRPr lang="en-US"/>
           </a:p>
@@ -38576,7 +38709,7 @@
           <a:p>
             <a:fld id="{E3E2306C-E34F-4492-8C03-BFD178B0B86F}" type="datetime1">
               <a:rPr lang="en-US" smtClean="0"/>
-              <a:t>3/31/2012</a:t>
+              <a:t>4/3/2012</a:t>
             </a:fld>
             <a:endParaRPr lang="en-US"/>
           </a:p>
@@ -38705,7 +38838,7 @@
           <a:p>
             <a:fld id="{D9D502B8-AD58-4FD1-B793-29B56CAC21BC}" type="datetime1">
               <a:rPr lang="en-US" smtClean="0"/>
-              <a:t>3/31/2012</a:t>
+              <a:t>4/3/2012</a:t>
             </a:fld>
             <a:endParaRPr lang="en-US"/>
           </a:p>
@@ -39160,7 +39293,7 @@
           <a:p>
             <a:fld id="{D9D502B8-AD58-4FD1-B793-29B56CAC21BC}" type="datetime1">
               <a:rPr lang="en-US" smtClean="0"/>
-              <a:t>3/31/2012</a:t>
+              <a:t>4/3/2012</a:t>
             </a:fld>
             <a:endParaRPr lang="en-US"/>
           </a:p>
@@ -39296,7 +39429,7 @@
           <a:p>
             <a:fld id="{E3E2306C-E34F-4492-8C03-BFD178B0B86F}" type="datetime1">
               <a:rPr lang="en-US" smtClean="0"/>
-              <a:t>3/31/2012</a:t>
+              <a:t>4/3/2012</a:t>
             </a:fld>
             <a:endParaRPr lang="en-US"/>
           </a:p>
@@ -39473,7 +39606,7 @@
           <a:p>
             <a:fld id="{D9D502B8-AD58-4FD1-B793-29B56CAC21BC}" type="datetime1">
               <a:rPr lang="en-US" smtClean="0"/>
-              <a:t>3/31/2012</a:t>
+              <a:t>4/3/2012</a:t>
             </a:fld>
             <a:endParaRPr lang="en-US"/>
           </a:p>
@@ -39681,7 +39814,6 @@
               <a:rPr lang="en-US" sz="2800" dirty="0"/>
               <a:t>1. DATA TRANSMISSION IN OPTICAL NETWORK</a:t>
             </a:r>
-            <a:endParaRPr lang="en-US" sz="2800" dirty="0"/>
           </a:p>
         </p:txBody>
       </p:sp>
@@ -39753,7 +39885,7 @@
           <a:p>
             <a:fld id="{D9D502B8-AD58-4FD1-B793-29B56CAC21BC}" type="datetime1">
               <a:rPr lang="en-US" smtClean="0"/>
-              <a:t>3/31/2012</a:t>
+              <a:t>4/3/2012</a:t>
             </a:fld>
             <a:endParaRPr lang="en-US"/>
           </a:p>
@@ -39925,11 +40057,7 @@
           <a:p>
             <a:r>
               <a:rPr lang="en-US" sz="2800" dirty="0" smtClean="0"/>
-              <a:t>2. </a:t>
-            </a:r>
-            <a:r>
-              <a:rPr lang="en-US" sz="2800" dirty="0" smtClean="0"/>
-              <a:t>MULTILAYER NETWORK</a:t>
+              <a:t>2. MULTILAYER NETWORK</a:t>
             </a:r>
             <a:endParaRPr lang="en-US" sz="2800" dirty="0"/>
           </a:p>
@@ -40027,7 +40155,7 @@
           <a:p>
             <a:fld id="{D9D502B8-AD58-4FD1-B793-29B56CAC21BC}" type="datetime1">
               <a:rPr lang="en-US" smtClean="0"/>
-              <a:t>3/31/2012</a:t>
+              <a:t>4/3/2012</a:t>
             </a:fld>
             <a:endParaRPr lang="en-US"/>
           </a:p>
@@ -40204,11 +40332,7 @@
           <a:p>
             <a:r>
               <a:rPr lang="en-US" sz="2400" dirty="0" smtClean="0"/>
-              <a:t>3. </a:t>
-            </a:r>
-            <a:r>
-              <a:rPr lang="en-US" sz="2400" dirty="0" smtClean="0"/>
-              <a:t>PHYSICAL AND LOGICAL TOPOLOGY, LIGHTPATHS</a:t>
+              <a:t>3. PHYSICAL AND LOGICAL TOPOLOGY, LIGHTPATHS</a:t>
             </a:r>
             <a:endParaRPr lang="en-US" sz="2400" dirty="0"/>
           </a:p>
@@ -41634,11 +41758,6 @@
               </a:rPr>
               <a:t> physical</a:t>
             </a:r>
-            <a:endParaRPr lang="en-US" sz="2800" kern="0" dirty="0">
-              <a:solidFill>
-                <a:sysClr val="windowText" lastClr="000000"/>
-              </a:solidFill>
-            </a:endParaRPr>
           </a:p>
         </p:txBody>
       </p:sp>
@@ -41709,7 +41828,6 @@
               <a:rPr lang="en-US" sz="2400" dirty="0"/>
               <a:t>. PHYSICAL AND LOGICAL TOPOLOGY, LIGHTPATHS</a:t>
             </a:r>
-            <a:endParaRPr lang="en-US" sz="2400" dirty="0"/>
           </a:p>
         </p:txBody>
       </p:sp>

--- a/Presents/Luongnv.Intro4.0.pptx
+++ b/Presents/Luongnv.Intro4.0.pptx
@@ -7503,7 +7503,7 @@
           </a:bodyPr>
           <a:lstStyle>
             <a:lvl1pPr algn="l">
-              <a:defRPr sz="3200" b="1"/>
+              <a:defRPr sz="2400" b="1"/>
             </a:lvl1pPr>
           </a:lstStyle>
           <a:p>
@@ -16651,7 +16651,7 @@
           <a:p>
             <a:pPr marL="514350" indent="-514350">
               <a:buFont typeface="+mj-lt"/>
-              <a:buAutoNum type="alphaUcPeriod"/>
+              <a:buAutoNum type="arabicPeriod"/>
             </a:pPr>
             <a:r>
               <a:rPr lang="en-US" dirty="0" err="1" smtClean="0"/>
@@ -16694,7 +16694,7 @@
           <a:p>
             <a:pPr marL="514350" indent="-514350">
               <a:buFont typeface="+mj-lt"/>
-              <a:buAutoNum type="alphaUcPeriod"/>
+              <a:buAutoNum type="arabicPeriod"/>
             </a:pPr>
             <a:r>
               <a:rPr lang="en-US" dirty="0" err="1" smtClean="0"/>
@@ -16729,7 +16729,7 @@
           <a:p>
             <a:pPr marL="514350" indent="-514350">
               <a:buFont typeface="+mj-lt"/>
-              <a:buAutoNum type="alphaUcPeriod"/>
+              <a:buAutoNum type="arabicPeriod"/>
             </a:pPr>
             <a:r>
               <a:rPr lang="en-US" dirty="0" err="1" smtClean="0"/>
@@ -16772,7 +16772,7 @@
           <a:p>
             <a:pPr marL="514350" indent="-514350">
               <a:buFont typeface="+mj-lt"/>
-              <a:buAutoNum type="alphaUcPeriod"/>
+              <a:buAutoNum type="arabicPeriod"/>
             </a:pPr>
             <a:r>
               <a:rPr lang="en-US" dirty="0" err="1" smtClean="0"/>
@@ -16831,7 +16831,7 @@
           <a:p>
             <a:pPr marL="514350" indent="-514350">
               <a:buFont typeface="+mj-lt"/>
-              <a:buAutoNum type="alphaUcPeriod"/>
+              <a:buAutoNum type="arabicPeriod"/>
             </a:pPr>
             <a:r>
               <a:rPr lang="en-US" dirty="0" smtClean="0"/>
@@ -21819,6 +21819,13 @@
   <p:clrMapOvr>
     <a:masterClrMapping/>
   </p:clrMapOvr>
+  <p:timing>
+    <p:tnLst>
+      <p:par>
+        <p:cTn id="1" dur="indefinite" restart="never" nodeType="tmRoot"/>
+      </p:par>
+    </p:tnLst>
+  </p:timing>
 </p:sld>
 </file>
 
@@ -23752,7 +23759,6 @@
               <a:rPr lang="en-US" sz="1600" i="1" dirty="0" smtClean="0"/>
               <a:t>)</a:t>
             </a:r>
-            <a:endParaRPr lang="en-US" sz="1600" i="1" dirty="0" smtClean="0"/>
           </a:p>
           <a:p>
             <a:pPr marL="285750" indent="-285750">
@@ -23869,6 +23875,13 @@
   <p:clrMapOvr>
     <a:masterClrMapping/>
   </p:clrMapOvr>
+  <p:timing>
+    <p:tnLst>
+      <p:par>
+        <p:cTn id="1" dur="indefinite" restart="never" nodeType="tmRoot"/>
+      </p:par>
+    </p:tnLst>
+  </p:timing>
 </p:sld>
 </file>
 
@@ -24398,103 +24411,103 @@
           <a:p>
             <a:pPr lvl="1"/>
             <a:r>
-              <a:rPr lang="en-US" dirty="0" smtClean="0"/>
+              <a:rPr lang="en-US" b="1" dirty="0" smtClean="0"/>
               <a:t>1 </a:t>
             </a:r>
             <a:r>
-              <a:rPr lang="en-US" dirty="0" err="1" smtClean="0"/>
+              <a:rPr lang="en-US" b="1" dirty="0" err="1" smtClean="0"/>
               <a:t>đường</a:t>
             </a:r>
             <a:r>
-              <a:rPr lang="en-US" dirty="0" smtClean="0"/>
-              <a:t> </a:t>
-            </a:r>
-            <a:r>
-              <a:rPr lang="en-US" dirty="0" err="1" smtClean="0"/>
+              <a:rPr lang="en-US" b="1" dirty="0" smtClean="0"/>
+              <a:t> </a:t>
+            </a:r>
+            <a:r>
+              <a:rPr lang="en-US" b="1" dirty="0" err="1" smtClean="0"/>
               <a:t>nữa</a:t>
             </a:r>
             <a:r>
-              <a:rPr lang="en-US" dirty="0" smtClean="0"/>
-              <a:t> </a:t>
-            </a:r>
-            <a:r>
-              <a:rPr lang="en-US" dirty="0" err="1" smtClean="0"/>
+              <a:rPr lang="en-US" b="1" dirty="0" smtClean="0"/>
+              <a:t> </a:t>
+            </a:r>
+            <a:r>
+              <a:rPr lang="en-US" b="1" dirty="0" err="1" smtClean="0"/>
               <a:t>là</a:t>
             </a:r>
             <a:r>
-              <a:rPr lang="en-US" dirty="0" smtClean="0"/>
-              <a:t> </a:t>
-            </a:r>
-            <a:r>
-              <a:rPr lang="en-US" dirty="0" err="1" smtClean="0"/>
+              <a:rPr lang="en-US" b="1" dirty="0" smtClean="0"/>
+              <a:t> </a:t>
+            </a:r>
+            <a:r>
+              <a:rPr lang="en-US" b="1" dirty="0" err="1" smtClean="0"/>
               <a:t>đường</a:t>
             </a:r>
             <a:r>
-              <a:rPr lang="en-US" dirty="0" smtClean="0"/>
+              <a:rPr lang="en-US" b="1" dirty="0" smtClean="0"/>
               <a:t> logical link + 1 </a:t>
             </a:r>
             <a:r>
-              <a:rPr lang="en-US" dirty="0" err="1" smtClean="0"/>
+              <a:rPr lang="en-US" b="1" dirty="0" err="1" smtClean="0"/>
               <a:t>điểm</a:t>
             </a:r>
             <a:r>
-              <a:rPr lang="en-US" dirty="0" smtClean="0"/>
-              <a:t> </a:t>
-            </a:r>
-            <a:r>
-              <a:rPr lang="en-US" dirty="0" err="1" smtClean="0"/>
+              <a:rPr lang="en-US" b="1" dirty="0" smtClean="0"/>
+              <a:t> </a:t>
+            </a:r>
+            <a:r>
+              <a:rPr lang="en-US" b="1" dirty="0" err="1" smtClean="0"/>
               <a:t>ngẫu</a:t>
             </a:r>
             <a:r>
-              <a:rPr lang="en-US" dirty="0" smtClean="0"/>
-              <a:t> </a:t>
-            </a:r>
-            <a:r>
-              <a:rPr lang="en-US" dirty="0" err="1" smtClean="0"/>
+              <a:rPr lang="en-US" b="1" dirty="0" smtClean="0"/>
+              <a:t> </a:t>
+            </a:r>
+            <a:r>
+              <a:rPr lang="en-US" b="1" dirty="0" err="1" smtClean="0"/>
               <a:t>nhiên</a:t>
             </a:r>
             <a:r>
-              <a:rPr lang="en-US" dirty="0" smtClean="0"/>
-              <a:t> </a:t>
-            </a:r>
-            <a:r>
-              <a:rPr lang="en-US" dirty="0" err="1" smtClean="0"/>
+              <a:rPr lang="en-US" b="1" dirty="0" smtClean="0"/>
+              <a:t> </a:t>
+            </a:r>
+            <a:r>
+              <a:rPr lang="en-US" b="1" dirty="0" err="1" smtClean="0"/>
               <a:t>trong</a:t>
             </a:r>
             <a:r>
-              <a:rPr lang="en-US" dirty="0" smtClean="0"/>
-              <a:t> </a:t>
-            </a:r>
-            <a:r>
-              <a:rPr lang="en-US" dirty="0" err="1" smtClean="0"/>
+              <a:rPr lang="en-US" b="1" dirty="0" smtClean="0"/>
+              <a:t> </a:t>
+            </a:r>
+            <a:r>
+              <a:rPr lang="en-US" b="1" dirty="0" err="1" smtClean="0"/>
               <a:t>các</a:t>
             </a:r>
             <a:r>
-              <a:rPr lang="en-US" dirty="0" smtClean="0"/>
-              <a:t> </a:t>
-            </a:r>
-            <a:r>
-              <a:rPr lang="en-US" dirty="0" err="1" smtClean="0"/>
+              <a:rPr lang="en-US" b="1" dirty="0" smtClean="0"/>
+              <a:t> </a:t>
+            </a:r>
+            <a:r>
+              <a:rPr lang="en-US" b="1" dirty="0" err="1" smtClean="0"/>
               <a:t>điểm</a:t>
             </a:r>
             <a:r>
-              <a:rPr lang="en-US" dirty="0" smtClean="0"/>
-              <a:t> </a:t>
-            </a:r>
-            <a:r>
-              <a:rPr lang="en-US" dirty="0" err="1" smtClean="0"/>
+              <a:rPr lang="en-US" b="1" dirty="0" smtClean="0"/>
+              <a:t> </a:t>
+            </a:r>
+            <a:r>
+              <a:rPr lang="en-US" b="1" dirty="0" err="1" smtClean="0"/>
               <a:t>còn</a:t>
             </a:r>
             <a:r>
-              <a:rPr lang="en-US" dirty="0" smtClean="0"/>
-              <a:t> </a:t>
-            </a:r>
-            <a:r>
-              <a:rPr lang="en-US" dirty="0" err="1" smtClean="0"/>
+              <a:rPr lang="en-US" b="1" dirty="0" smtClean="0"/>
+              <a:t> </a:t>
+            </a:r>
+            <a:r>
+              <a:rPr lang="en-US" b="1" dirty="0" err="1" smtClean="0"/>
               <a:t>lại</a:t>
             </a:r>
             <a:r>
-              <a:rPr lang="en-US" dirty="0" smtClean="0"/>
+              <a:rPr lang="en-US" b="1" dirty="0" smtClean="0"/>
               <a:t>. ID = 1;</a:t>
             </a:r>
           </a:p>
@@ -24583,6 +24596,13 @@
   <p:clrMapOvr>
     <a:masterClrMapping/>
   </p:clrMapOvr>
+  <p:timing>
+    <p:tnLst>
+      <p:par>
+        <p:cTn id="1" dur="indefinite" restart="never" nodeType="tmRoot"/>
+      </p:par>
+    </p:tnLst>
+  </p:timing>
 </p:sld>
 </file>
 
@@ -27643,16 +27663,12 @@
               <a:t>đi</a:t>
             </a:r>
             <a:r>
-              <a:rPr lang="en-US" sz="2400" smtClean="0">
+              <a:rPr lang="en-US" sz="2400" dirty="0" smtClean="0">
                 <a:latin typeface="Times New Roman" pitchFamily="18" charset="0"/>
                 <a:cs typeface="Times New Roman" pitchFamily="18" charset="0"/>
               </a:rPr>
               <a:t>)</a:t>
             </a:r>
-            <a:endParaRPr lang="en-US" sz="2400" dirty="0" smtClean="0">
-              <a:latin typeface="Times New Roman" pitchFamily="18" charset="0"/>
-              <a:cs typeface="Times New Roman" pitchFamily="18" charset="0"/>
-            </a:endParaRPr>
           </a:p>
         </p:txBody>
       </p:sp>
@@ -27943,8 +27959,16 @@
           <a:lstStyle/>
           <a:p>
             <a:r>
+              <a:rPr lang="en-US" sz="3600" dirty="0"/>
+              <a:t>1</a:t>
+            </a:r>
+            <a:r>
               <a:rPr lang="en-US" sz="3600" dirty="0" smtClean="0"/>
-              <a:t>A. CÁC KHÁI NIỆM CƠ BẢN	</a:t>
+              <a:t>. </a:t>
+            </a:r>
+            <a:r>
+              <a:rPr lang="en-US" sz="3600" dirty="0" smtClean="0"/>
+              <a:t>CÁC KHÁI NIỆM CƠ BẢN	</a:t>
             </a:r>
             <a:endParaRPr lang="en-US" sz="3600" dirty="0"/>
           </a:p>
@@ -27967,7 +27991,7 @@
           <a:p>
             <a:pPr marL="514350" indent="-514350">
               <a:buFont typeface="+mj-lt"/>
-              <a:buAutoNum type="arabicPeriod"/>
+              <a:buAutoNum type="alphaUcPeriod"/>
             </a:pPr>
             <a:r>
               <a:rPr lang="en-US" dirty="0" smtClean="0"/>
@@ -27977,7 +28001,7 @@
           <a:p>
             <a:pPr marL="514350" indent="-514350">
               <a:buFont typeface="+mj-lt"/>
-              <a:buAutoNum type="arabicPeriod"/>
+              <a:buAutoNum type="alphaUcPeriod"/>
             </a:pPr>
             <a:r>
               <a:rPr lang="en-US" dirty="0" smtClean="0"/>
@@ -27987,7 +28011,7 @@
           <a:p>
             <a:pPr marL="514350" indent="-514350">
               <a:buFont typeface="+mj-lt"/>
-              <a:buAutoNum type="arabicPeriod"/>
+              <a:buAutoNum type="alphaUcPeriod"/>
             </a:pPr>
             <a:r>
               <a:rPr lang="en-US" dirty="0" smtClean="0"/>
@@ -28002,7 +28026,7 @@
           <a:p>
             <a:pPr marL="514350" indent="-514350">
               <a:buFont typeface="+mj-lt"/>
-              <a:buAutoNum type="arabicPeriod"/>
+              <a:buAutoNum type="alphaUcPeriod"/>
             </a:pPr>
             <a:r>
               <a:rPr lang="en-US" dirty="0" smtClean="0"/>
@@ -36879,7 +36903,80 @@
               <a:rPr lang="en-US" dirty="0" smtClean="0"/>
               <a:t>.</a:t>
             </a:r>
-            <a:endParaRPr lang="en-US" dirty="0"/>
+          </a:p>
+          <a:p>
+            <a:r>
+              <a:rPr lang="en-US" dirty="0" err="1" smtClean="0"/>
+              <a:t>Dừng</a:t>
+            </a:r>
+            <a:r>
+              <a:rPr lang="en-US" dirty="0" smtClean="0"/>
+              <a:t> </a:t>
+            </a:r>
+            <a:r>
+              <a:rPr lang="en-US" dirty="0" err="1" smtClean="0"/>
+              <a:t>lại</a:t>
+            </a:r>
+            <a:r>
+              <a:rPr lang="en-US" dirty="0" smtClean="0"/>
+              <a:t> </a:t>
+            </a:r>
+            <a:r>
+              <a:rPr lang="en-US" dirty="0" err="1" smtClean="0"/>
+              <a:t>khi</a:t>
+            </a:r>
+            <a:r>
+              <a:rPr lang="en-US" dirty="0" smtClean="0"/>
+              <a:t> </a:t>
+            </a:r>
+            <a:r>
+              <a:rPr lang="en-US" dirty="0" err="1" smtClean="0"/>
+              <a:t>mà</a:t>
+            </a:r>
+            <a:r>
+              <a:rPr lang="en-US" dirty="0" smtClean="0"/>
+              <a:t> </a:t>
+            </a:r>
+            <a:r>
+              <a:rPr lang="en-US" dirty="0" err="1" smtClean="0"/>
+              <a:t>kết</a:t>
+            </a:r>
+            <a:r>
+              <a:rPr lang="en-US" dirty="0" smtClean="0"/>
+              <a:t> </a:t>
+            </a:r>
+            <a:r>
+              <a:rPr lang="en-US" dirty="0" err="1" smtClean="0"/>
+              <a:t>quả</a:t>
+            </a:r>
+            <a:r>
+              <a:rPr lang="en-US" dirty="0" smtClean="0"/>
+              <a:t> </a:t>
+            </a:r>
+            <a:r>
+              <a:rPr lang="en-US" dirty="0" err="1" smtClean="0"/>
+              <a:t>không</a:t>
+            </a:r>
+            <a:r>
+              <a:rPr lang="en-US" dirty="0" smtClean="0"/>
+              <a:t> </a:t>
+            </a:r>
+            <a:r>
+              <a:rPr lang="en-US" dirty="0" err="1" smtClean="0"/>
+              <a:t>tốt</a:t>
+            </a:r>
+            <a:r>
+              <a:rPr lang="en-US" dirty="0" smtClean="0"/>
+              <a:t> </a:t>
+            </a:r>
+            <a:r>
+              <a:rPr lang="en-US" dirty="0" err="1" smtClean="0"/>
+              <a:t>hơn</a:t>
+            </a:r>
+            <a:r>
+              <a:rPr lang="en-US" dirty="0"/>
+              <a:t>.</a:t>
+            </a:r>
           </a:p>
         </p:txBody>
       </p:sp>
@@ -38814,10 +38911,14 @@
           <a:lstStyle/>
           <a:p>
             <a:r>
-              <a:rPr lang="en-US" sz="2800" dirty="0" smtClean="0"/>
-              <a:t>1. DATA TRANSMISSION IN OPTICAL NETWORK</a:t>
-            </a:r>
-            <a:endParaRPr lang="en-US" sz="2800" dirty="0"/>
+              <a:rPr lang="en-US" sz="2400" dirty="0" smtClean="0"/>
+              <a:t>A. DATA </a:t>
+            </a:r>
+            <a:r>
+              <a:rPr lang="en-US" sz="2400" dirty="0" smtClean="0"/>
+              <a:t>TRANSMISSION IN OPTICAL NETWORK</a:t>
+            </a:r>
+            <a:endParaRPr lang="en-US" sz="2400" dirty="0"/>
           </a:p>
         </p:txBody>
       </p:sp>
@@ -39746,7 +39847,11 @@
           <a:p>
             <a:r>
               <a:rPr lang="en-US" sz="2800" dirty="0"/>
-              <a:t>1. DATA TRANSMISSION IN OPTICAL NETWORK</a:t>
+              <a:t>A. DATA </a:t>
+            </a:r>
+            <a:r>
+              <a:rPr lang="en-US" sz="2800" dirty="0"/>
+              <a:t>TRANSMISSION IN OPTICAL NETWORK</a:t>
             </a:r>
           </a:p>
         </p:txBody>
@@ -39811,8 +39916,12 @@
           <a:lstStyle/>
           <a:p>
             <a:r>
+              <a:rPr lang="en-US" sz="2800" dirty="0" smtClean="0"/>
+              <a:t>DATA </a:t>
+            </a:r>
+            <a:r>
               <a:rPr lang="en-US" sz="2800" dirty="0"/>
-              <a:t>1. DATA TRANSMISSION IN OPTICAL NETWORK</a:t>
+              <a:t>TRANSMISSION IN OPTICAL NETWORK</a:t>
             </a:r>
           </a:p>
         </p:txBody>
